--- a/Introduction to R Data Processing 2016.pptx
+++ b/Introduction to R Data Processing 2016.pptx
@@ -11,7 +11,8 @@
     <p:sldId id="259" r:id="rId5"/>
     <p:sldId id="261" r:id="rId6"/>
     <p:sldId id="260" r:id="rId7"/>
-    <p:sldId id="262" r:id="rId8"/>
+    <p:sldId id="263" r:id="rId8"/>
+    <p:sldId id="262" r:id="rId9"/>
   </p:sldIdLst>
   <p:sldSz cx="12192000" cy="6858000"/>
   <p:notesSz cx="6858000" cy="9144000"/>
@@ -250,7 +251,7 @@
             <a:fld id="{E4B255C5-1F40-4749-8F81-F6137059C751}" type="datetimeFigureOut">
               <a:rPr lang="en-US" smtClean="0"/>
               <a:pPr/>
-              <a:t>6/21/2016</a:t>
+              <a:t>6/22/2016</a:t>
             </a:fld>
             <a:endParaRPr lang="en-US"/>
           </a:p>
@@ -422,7 +423,7 @@
             <a:fld id="{E4B255C5-1F40-4749-8F81-F6137059C751}" type="datetimeFigureOut">
               <a:rPr lang="en-US" smtClean="0"/>
               <a:pPr/>
-              <a:t>6/21/2016</a:t>
+              <a:t>6/22/2016</a:t>
             </a:fld>
             <a:endParaRPr lang="en-US"/>
           </a:p>
@@ -604,7 +605,7 @@
             <a:fld id="{E4B255C5-1F40-4749-8F81-F6137059C751}" type="datetimeFigureOut">
               <a:rPr lang="en-US" smtClean="0"/>
               <a:pPr/>
-              <a:t>6/21/2016</a:t>
+              <a:t>6/22/2016</a:t>
             </a:fld>
             <a:endParaRPr lang="en-US"/>
           </a:p>
@@ -776,7 +777,7 @@
             <a:fld id="{E4B255C5-1F40-4749-8F81-F6137059C751}" type="datetimeFigureOut">
               <a:rPr lang="en-US" smtClean="0"/>
               <a:pPr/>
-              <a:t>6/21/2016</a:t>
+              <a:t>6/22/2016</a:t>
             </a:fld>
             <a:endParaRPr lang="en-US"/>
           </a:p>
@@ -1024,7 +1025,7 @@
             <a:fld id="{E4B255C5-1F40-4749-8F81-F6137059C751}" type="datetimeFigureOut">
               <a:rPr lang="en-US" smtClean="0"/>
               <a:pPr/>
-              <a:t>6/21/2016</a:t>
+              <a:t>6/22/2016</a:t>
             </a:fld>
             <a:endParaRPr lang="en-US"/>
           </a:p>
@@ -1258,7 +1259,7 @@
             <a:fld id="{E4B255C5-1F40-4749-8F81-F6137059C751}" type="datetimeFigureOut">
               <a:rPr lang="en-US" smtClean="0"/>
               <a:pPr/>
-              <a:t>6/21/2016</a:t>
+              <a:t>6/22/2016</a:t>
             </a:fld>
             <a:endParaRPr lang="en-US"/>
           </a:p>
@@ -1627,7 +1628,7 @@
             <a:fld id="{E4B255C5-1F40-4749-8F81-F6137059C751}" type="datetimeFigureOut">
               <a:rPr lang="en-US" smtClean="0"/>
               <a:pPr/>
-              <a:t>6/21/2016</a:t>
+              <a:t>6/22/2016</a:t>
             </a:fld>
             <a:endParaRPr lang="en-US"/>
           </a:p>
@@ -1747,7 +1748,7 @@
             <a:fld id="{E4B255C5-1F40-4749-8F81-F6137059C751}" type="datetimeFigureOut">
               <a:rPr lang="en-US" smtClean="0"/>
               <a:pPr/>
-              <a:t>6/21/2016</a:t>
+              <a:t>6/22/2016</a:t>
             </a:fld>
             <a:endParaRPr lang="en-US"/>
           </a:p>
@@ -1844,7 +1845,7 @@
             <a:fld id="{E4B255C5-1F40-4749-8F81-F6137059C751}" type="datetimeFigureOut">
               <a:rPr lang="en-US" smtClean="0"/>
               <a:pPr/>
-              <a:t>6/21/2016</a:t>
+              <a:t>6/22/2016</a:t>
             </a:fld>
             <a:endParaRPr lang="en-US"/>
           </a:p>
@@ -2123,7 +2124,7 @@
             <a:fld id="{E4B255C5-1F40-4749-8F81-F6137059C751}" type="datetimeFigureOut">
               <a:rPr lang="en-US" smtClean="0"/>
               <a:pPr/>
-              <a:t>6/21/2016</a:t>
+              <a:t>6/22/2016</a:t>
             </a:fld>
             <a:endParaRPr lang="en-US"/>
           </a:p>
@@ -2378,7 +2379,7 @@
             <a:fld id="{E4B255C5-1F40-4749-8F81-F6137059C751}" type="datetimeFigureOut">
               <a:rPr lang="en-US" smtClean="0"/>
               <a:pPr/>
-              <a:t>6/21/2016</a:t>
+              <a:t>6/22/2016</a:t>
             </a:fld>
             <a:endParaRPr lang="en-US"/>
           </a:p>
@@ -2593,7 +2594,7 @@
             <a:fld id="{E4B255C5-1F40-4749-8F81-F6137059C751}" type="datetimeFigureOut">
               <a:rPr lang="en-US" smtClean="0"/>
               <a:pPr/>
-              <a:t>6/21/2016</a:t>
+              <a:t>6/22/2016</a:t>
             </a:fld>
             <a:endParaRPr lang="en-US"/>
           </a:p>
@@ -4049,6 +4050,191 @@
           <a:p>
             <a:r>
               <a:rPr lang="en-US" b="1" dirty="0" smtClean="0"/>
+              <a:t>Combining, Sorting and Matching Data Frames</a:t>
+            </a:r>
+            <a:endParaRPr lang="en-US" b="1" dirty="0"/>
+          </a:p>
+        </p:txBody>
+      </p:sp>
+      <p:sp>
+        <p:nvSpPr>
+          <p:cNvPr id="3" name="Content Placeholder 2"/>
+          <p:cNvSpPr>
+            <a:spLocks noGrp="1"/>
+          </p:cNvSpPr>
+          <p:nvPr>
+            <p:ph idx="1"/>
+          </p:nvPr>
+        </p:nvSpPr>
+        <p:spPr>
+          <a:xfrm>
+            <a:off x="838200" y="1825625"/>
+            <a:ext cx="4867141" cy="4351338"/>
+          </a:xfrm>
+        </p:spPr>
+        <p:txBody>
+          <a:bodyPr>
+            <a:normAutofit lnSpcReduction="10000"/>
+          </a:bodyPr>
+          <a:lstStyle/>
+          <a:p>
+            <a:r>
+              <a:rPr lang="en-US" dirty="0" smtClean="0"/>
+              <a:t>Bind by column (</a:t>
+            </a:r>
+            <a:r>
+              <a:rPr lang="en-US" dirty="0" err="1" smtClean="0"/>
+              <a:t>cbind</a:t>
+            </a:r>
+            <a:r>
+              <a:rPr lang="en-US" dirty="0" smtClean="0"/>
+              <a:t>()) or row (</a:t>
+            </a:r>
+            <a:r>
+              <a:rPr lang="en-US" dirty="0" err="1" smtClean="0"/>
+              <a:t>rbind</a:t>
+            </a:r>
+            <a:r>
+              <a:rPr lang="en-US" dirty="0" smtClean="0"/>
+              <a:t>())</a:t>
+            </a:r>
+          </a:p>
+          <a:p>
+            <a:pPr lvl="1"/>
+            <a:r>
+              <a:rPr lang="en-US" dirty="0" smtClean="0"/>
+              <a:t>Must have same columns (for </a:t>
+            </a:r>
+            <a:r>
+              <a:rPr lang="en-US" dirty="0" err="1" smtClean="0"/>
+              <a:t>rbind</a:t>
+            </a:r>
+            <a:r>
+              <a:rPr lang="en-US" dirty="0" smtClean="0"/>
+              <a:t>) or rows (for </a:t>
+            </a:r>
+            <a:r>
+              <a:rPr lang="en-US" dirty="0" err="1" smtClean="0"/>
+              <a:t>cbind</a:t>
+            </a:r>
+            <a:r>
+              <a:rPr lang="en-US" smtClean="0"/>
+              <a:t>)</a:t>
+            </a:r>
+          </a:p>
+          <a:p>
+            <a:r>
+              <a:rPr lang="en-US" dirty="0" smtClean="0"/>
+              <a:t>Sort columns using order()</a:t>
+            </a:r>
+          </a:p>
+          <a:p>
+            <a:r>
+              <a:rPr lang="en-US" dirty="0" smtClean="0"/>
+              <a:t>Match elements in columns</a:t>
+            </a:r>
+          </a:p>
+          <a:p>
+            <a:pPr lvl="1"/>
+            <a:r>
+              <a:rPr lang="en-US" dirty="0" smtClean="0"/>
+              <a:t>match() returns numeric vector of sorted indices</a:t>
+            </a:r>
+          </a:p>
+          <a:p>
+            <a:pPr lvl="1"/>
+            <a:r>
+              <a:rPr lang="en-US" dirty="0" smtClean="0"/>
+              <a:t>%in% returns logical vector</a:t>
+            </a:r>
+          </a:p>
+          <a:p>
+            <a:pPr lvl="1"/>
+            <a:r>
+              <a:rPr lang="en-US" dirty="0" smtClean="0"/>
+              <a:t>Both can be input into data frame to sort or add data</a:t>
+            </a:r>
+            <a:endParaRPr lang="en-US" dirty="0"/>
+          </a:p>
+        </p:txBody>
+      </p:sp>
+      <p:pic>
+        <p:nvPicPr>
+          <p:cNvPr id="4" name="Picture 3"/>
+          <p:cNvPicPr>
+            <a:picLocks noChangeAspect="1"/>
+          </p:cNvPicPr>
+          <p:nvPr/>
+        </p:nvPicPr>
+        <p:blipFill>
+          <a:blip r:embed="rId2" cstate="print">
+            <a:extLst>
+              <a:ext uri="{28A0092B-C50C-407E-A947-70E740481C1C}">
+                <a14:useLocalDpi xmlns:a14="http://schemas.microsoft.com/office/drawing/2010/main" xmlns="" val="0"/>
+              </a:ext>
+            </a:extLst>
+          </a:blip>
+          <a:stretch>
+            <a:fillRect/>
+          </a:stretch>
+        </p:blipFill>
+        <p:spPr>
+          <a:xfrm>
+            <a:off x="5791768" y="1443443"/>
+            <a:ext cx="5951618" cy="4733520"/>
+          </a:xfrm>
+          <a:prstGeom prst="rect">
+            <a:avLst/>
+          </a:prstGeom>
+        </p:spPr>
+      </p:pic>
+    </p:spTree>
+    <p:extLst>
+      <p:ext uri="{BB962C8B-B14F-4D97-AF65-F5344CB8AC3E}">
+        <p14:creationId xmlns:p14="http://schemas.microsoft.com/office/powerpoint/2010/main" xmlns="" val="804598225"/>
+      </p:ext>
+    </p:extLst>
+  </p:cSld>
+  <p:clrMapOvr>
+    <a:masterClrMapping/>
+  </p:clrMapOvr>
+</p:sld>
+</file>
+
+<file path=ppt/slides/slide8.xml><?xml version="1.0" encoding="utf-8"?>
+<p:sld xmlns:a="http://schemas.openxmlformats.org/drawingml/2006/main" xmlns:r="http://schemas.openxmlformats.org/officeDocument/2006/relationships" xmlns:p="http://schemas.openxmlformats.org/presentationml/2006/main">
+  <p:cSld>
+    <p:spTree>
+      <p:nvGrpSpPr>
+        <p:cNvPr id="1" name=""/>
+        <p:cNvGrpSpPr/>
+        <p:nvPr/>
+      </p:nvGrpSpPr>
+      <p:grpSpPr>
+        <a:xfrm>
+          <a:off x="0" y="0"/>
+          <a:ext cx="0" cy="0"/>
+          <a:chOff x="0" y="0"/>
+          <a:chExt cx="0" cy="0"/>
+        </a:xfrm>
+      </p:grpSpPr>
+      <p:sp>
+        <p:nvSpPr>
+          <p:cNvPr id="2" name="Title 1"/>
+          <p:cNvSpPr>
+            <a:spLocks noGrp="1"/>
+          </p:cNvSpPr>
+          <p:nvPr>
+            <p:ph type="title"/>
+          </p:nvPr>
+        </p:nvSpPr>
+        <p:spPr/>
+        <p:txBody>
+          <a:bodyPr/>
+          <a:lstStyle/>
+          <a:p>
+            <a:r>
+              <a:rPr lang="en-US" b="1" dirty="0" smtClean="0"/>
               <a:t>Exporting Data</a:t>
             </a:r>
             <a:endParaRPr lang="en-US" b="1" dirty="0"/>
